--- a/Strategy.pptx
+++ b/Strategy.pptx
@@ -9,8 +9,8 @@
     <p:sldId id="257" r:id="rId3"/>
     <p:sldId id="258" r:id="rId4"/>
     <p:sldId id="259" r:id="rId5"/>
-    <p:sldId id="260" r:id="rId6"/>
-    <p:sldId id="261" r:id="rId7"/>
+    <p:sldId id="261" r:id="rId6"/>
+    <p:sldId id="260" r:id="rId7"/>
     <p:sldId id="262" r:id="rId8"/>
     <p:sldId id="263" r:id="rId9"/>
     <p:sldId id="264" r:id="rId10"/>
@@ -112,6 +112,11 @@
       </a:defRPr>
     </a:lvl9pPr>
   </p:defaultTextStyle>
+  <p:extLst>
+    <p:ext uri="{EFAFB233-063F-42B5-8137-9DF3F51BA10A}">
+      <p15:sldGuideLst xmlns:p15="http://schemas.microsoft.com/office/powerpoint/2012/main"/>
+    </p:ext>
+  </p:extLst>
 </p:presentation>
 </file>
 
@@ -332,7 +337,7 @@
           <a:p>
             <a:fld id="{9AB3A824-1A51-4B26-AD58-A6D8E14F6C04}" type="datetimeFigureOut">
               <a:rPr lang="en-US" dirty="0"/>
-              <a:t>10/14/2022</a:t>
+              <a:t>10/20/2022</a:t>
             </a:fld>
             <a:endParaRPr lang="en-US" dirty="0"/>
           </a:p>
@@ -666,7 +671,7 @@
           <a:p>
             <a:fld id="{D857E33E-8B18-4087-B112-809917729534}" type="datetimeFigureOut">
               <a:rPr lang="en-US" dirty="0"/>
-              <a:t>10/14/2022</a:t>
+              <a:t>10/20/2022</a:t>
             </a:fld>
             <a:endParaRPr lang="en-US" dirty="0"/>
           </a:p>
@@ -968,7 +973,7 @@
           <a:p>
             <a:fld id="{D3FFE419-2371-464F-8239-3959401C3561}" type="datetimeFigureOut">
               <a:rPr lang="en-US" dirty="0"/>
-              <a:t>10/14/2022</a:t>
+              <a:t>10/20/2022</a:t>
             </a:fld>
             <a:endParaRPr lang="en-US" dirty="0"/>
           </a:p>
@@ -1215,7 +1220,7 @@
           <a:p>
             <a:fld id="{97D162C4-EDD9-4389-A98B-B87ECEA2A816}" type="datetimeFigureOut">
               <a:rPr lang="en-US" dirty="0"/>
-              <a:t>10/14/2022</a:t>
+              <a:t>10/20/2022</a:t>
             </a:fld>
             <a:endParaRPr lang="en-US" dirty="0"/>
           </a:p>
@@ -1622,7 +1627,7 @@
           <a:p>
             <a:fld id="{3E5059C3-6A89-4494-99FF-5A4D6FFD50EB}" type="datetimeFigureOut">
               <a:rPr lang="en-US" dirty="0"/>
-              <a:t>10/14/2022</a:t>
+              <a:t>10/20/2022</a:t>
             </a:fld>
             <a:endParaRPr lang="en-US" dirty="0"/>
           </a:p>
@@ -1936,7 +1941,7 @@
           <a:p>
             <a:fld id="{CA954B2F-12DE-47F5-8894-472B206D2E1E}" type="datetimeFigureOut">
               <a:rPr lang="en-US" dirty="0"/>
-              <a:t>10/14/2022</a:t>
+              <a:t>10/20/2022</a:t>
             </a:fld>
             <a:endParaRPr lang="en-US" dirty="0"/>
           </a:p>
@@ -2480,7 +2485,7 @@
           <a:p>
             <a:fld id="{3F30E46F-7819-4ACF-B48B-48222C2ACC88}" type="datetimeFigureOut">
               <a:rPr lang="en-US" dirty="0"/>
-              <a:t>10/14/2022</a:t>
+              <a:t>10/20/2022</a:t>
             </a:fld>
             <a:endParaRPr lang="en-US" dirty="0"/>
           </a:p>
@@ -2675,7 +2680,7 @@
           <a:p>
             <a:fld id="{1FAF3416-4057-4DAA-829D-4CA07428D088}" type="datetimeFigureOut">
               <a:rPr lang="en-US" dirty="0"/>
-              <a:t>10/14/2022</a:t>
+              <a:t>10/20/2022</a:t>
             </a:fld>
             <a:endParaRPr lang="en-US" dirty="0"/>
           </a:p>
@@ -2888,7 +2893,7 @@
           <a:p>
             <a:fld id="{921D9284-D300-4297-87F7-E791DCC15DB1}" type="datetimeFigureOut">
               <a:rPr lang="en-US" dirty="0"/>
-              <a:t>10/14/2022</a:t>
+              <a:t>10/20/2022</a:t>
             </a:fld>
             <a:endParaRPr lang="en-US" dirty="0"/>
           </a:p>
@@ -3257,7 +3262,7 @@
           <a:p>
             <a:fld id="{37D525BB-DA17-4BA0-B3C8-3AC3ABC827E6}" type="datetimeFigureOut">
               <a:rPr lang="en-US" dirty="0"/>
-              <a:t>10/14/2022</a:t>
+              <a:t>10/20/2022</a:t>
             </a:fld>
             <a:endParaRPr lang="en-US" dirty="0"/>
           </a:p>
@@ -3660,7 +3665,7 @@
           <a:p>
             <a:fld id="{B16C4C9A-3960-41CF-A4E9-2A8FB932454B}" type="datetimeFigureOut">
               <a:rPr lang="en-US" dirty="0"/>
-              <a:t>10/14/2022</a:t>
+              <a:t>10/20/2022</a:t>
             </a:fld>
             <a:endParaRPr lang="en-US" dirty="0"/>
           </a:p>
@@ -3971,7 +3976,7 @@
           <a:p>
             <a:fld id="{3CBC1C18-307B-4F68-A007-B5B542270E8D}" type="datetimeFigureOut">
               <a:rPr lang="en-US" dirty="0"/>
-              <a:t>10/14/2022</a:t>
+              <a:t>10/20/2022</a:t>
             </a:fld>
             <a:endParaRPr lang="en-US" dirty="0"/>
           </a:p>
@@ -4589,7 +4594,7 @@
             <a:pPr algn="l"/>
             <a:r>
               <a:rPr lang="es-AR" sz="6000" b="1" i="1" dirty="0"/>
-              <a:t>DISEÑO DE SISTEMAS </a:t>
+              <a:t>PATRON STRATEGY()</a:t>
             </a:r>
             <a:endParaRPr lang="en-US" sz="6000" b="1" i="1" dirty="0"/>
           </a:p>
@@ -4655,124 +4660,77 @@
           <a:p>
             <a:pPr algn="l"/>
             <a:r>
-              <a:rPr lang="es-AR" sz="4400" i="1" u="sng" dirty="0"/>
+              <a:rPr lang="es-AR" sz="6000" i="1" u="sng" dirty="0"/>
               <a:t>		  PATRON DE DISEÑO</a:t>
             </a:r>
             <a:br>
-              <a:rPr lang="es-AR" sz="4400" i="1" u="sng" dirty="0"/>
-            </a:br>
-            <a:br>
-              <a:rPr lang="es-AR" sz="4400" i="1" u="sng" dirty="0"/>
-            </a:br>
-            <a:r>
-              <a:rPr lang="es-AR" sz="4400" i="1" dirty="0">
+              <a:rPr lang="es-AR" sz="6000" i="1" u="sng" dirty="0"/>
+            </a:br>
+            <a:br>
+              <a:rPr lang="es-AR" sz="6000" i="1" u="sng" dirty="0"/>
+            </a:br>
+            <a:r>
+              <a:rPr lang="es-AR" sz="6000" i="1" dirty="0">
                 <a:sym typeface="Wingdings" panose="05000000000000000000" pitchFamily="2" charset="2"/>
               </a:rPr>
               <a:t> </a:t>
             </a:r>
             <a:r>
-              <a:rPr lang="es-AR" sz="4000" b="1" dirty="0" err="1"/>
-              <a:t>Strategy</a:t>
-            </a:r>
-            <a:r>
-              <a:rPr lang="es-AR" sz="4000" b="1" dirty="0"/>
-              <a:t> (</a:t>
-            </a:r>
-            <a:r>
-              <a:rPr lang="es-AR" sz="4000" b="1" dirty="0" err="1"/>
-              <a:t>Policy</a:t>
-            </a:r>
-            <a:r>
-              <a:rPr lang="es-AR" sz="4000" b="1" dirty="0"/>
-              <a:t>) :</a:t>
-            </a:r>
-            <a:br>
-              <a:rPr lang="es-AR" sz="4000" b="1" i="1" dirty="0"/>
-            </a:br>
-            <a:br>
-              <a:rPr lang="es-AR" sz="4000" b="1" i="1" dirty="0"/>
-            </a:br>
-            <a:r>
-              <a:rPr lang="es-AR" sz="4000" b="1" i="1" dirty="0">
+              <a:rPr lang="es-AR" sz="5300" b="1" i="1" dirty="0">
                 <a:sym typeface="Wingdings" panose="05000000000000000000" pitchFamily="2" charset="2"/>
               </a:rPr>
-              <a:t> </a:t>
-            </a:r>
-            <a:r>
-              <a:rPr lang="es-AR" sz="3600" b="1" u="sng" dirty="0">
+              <a:t>INTRODUCCION</a:t>
+            </a:r>
+            <a:r>
+              <a:rPr lang="es-AR" sz="5300" b="1" dirty="0"/>
+              <a:t>:</a:t>
+            </a:r>
+            <a:br>
+              <a:rPr lang="es-AR" sz="5300" b="1" i="1" dirty="0"/>
+            </a:br>
+            <a:br>
+              <a:rPr lang="es-AR" sz="5300" b="1" i="1" dirty="0"/>
+            </a:br>
+            <a:r>
+              <a:rPr lang="es-AR" sz="4400" b="1" i="1" dirty="0">
                 <a:sym typeface="Wingdings" panose="05000000000000000000" pitchFamily="2" charset="2"/>
               </a:rPr>
-              <a:t>Propósito:</a:t>
-            </a:r>
-            <a:br>
-              <a:rPr lang="es-AR" sz="2700" b="1" dirty="0">
+              <a:t> 				DEFINICION </a:t>
+            </a:r>
+            <a:br>
+              <a:rPr lang="es-AR" sz="5300" b="1" i="1" dirty="0">
                 <a:sym typeface="Wingdings" panose="05000000000000000000" pitchFamily="2" charset="2"/>
               </a:rPr>
             </a:br>
             <a:br>
-              <a:rPr lang="es-AR" sz="2700" b="1" dirty="0">
+              <a:rPr lang="es-AR" sz="5300" b="1" i="1" dirty="0">
+                <a:latin typeface="+mn-lt"/>
                 <a:sym typeface="Wingdings" panose="05000000000000000000" pitchFamily="2" charset="2"/>
               </a:rPr>
             </a:br>
             <a:r>
-              <a:rPr lang="es-AR" sz="2700" b="1" i="1" dirty="0">
+              <a:rPr lang="es-419" sz="4000" b="1" i="1" dirty="0">
+                <a:latin typeface="+mn-lt"/>
                 <a:sym typeface="Wingdings" panose="05000000000000000000" pitchFamily="2" charset="2"/>
               </a:rPr>
-              <a:t>Define una familia de Algoritmos (Comportamientos) , que se encapsulan ,haciéndolos intercambiables según la necesidad el Objeto cliente.</a:t>
-            </a:r>
-            <a:br>
-              <a:rPr lang="es-AR" sz="2700" b="1" i="1" dirty="0">
+              <a:t>Un patrón estrategia nos permitiría definir en clases separadas un conjunto de algoritmos y hacer que sus objetos sean intercambiables.</a:t>
+            </a:r>
+            <a:br>
+              <a:rPr lang="es-AR" sz="4400" b="1" i="1" dirty="0">
+                <a:latin typeface="+mn-lt"/>
                 <a:sym typeface="Wingdings" panose="05000000000000000000" pitchFamily="2" charset="2"/>
               </a:rPr>
             </a:br>
             <a:br>
-              <a:rPr lang="es-AR" sz="2700" b="1" i="1" dirty="0">
+              <a:rPr lang="es-AR" sz="4400" b="1" i="1" dirty="0">
                 <a:sym typeface="Wingdings" panose="05000000000000000000" pitchFamily="2" charset="2"/>
               </a:rPr>
             </a:br>
-            <a:r>
-              <a:rPr lang="es-AR" sz="2700" b="1" i="1" dirty="0">
-                <a:sym typeface="Wingdings" panose="05000000000000000000" pitchFamily="2" charset="2"/>
-              </a:rPr>
-              <a:t>Permitiendo instanciar una misma clase con diferentes comportamientos (</a:t>
-            </a:r>
-            <a:r>
-              <a:rPr lang="es-AR" sz="2700" b="1" i="1" dirty="0" err="1">
-                <a:sym typeface="Wingdings" panose="05000000000000000000" pitchFamily="2" charset="2"/>
-              </a:rPr>
-              <a:t>SubClases</a:t>
-            </a:r>
-            <a:r>
-              <a:rPr lang="es-AR" sz="2700" b="1" i="1" dirty="0">
-                <a:sym typeface="Wingdings" panose="05000000000000000000" pitchFamily="2" charset="2"/>
-              </a:rPr>
-              <a:t>), según la acción a realizar</a:t>
-            </a:r>
-            <a:br>
-              <a:rPr lang="es-AR" sz="2700" b="1" i="1" dirty="0">
-                <a:sym typeface="Wingdings" panose="05000000000000000000" pitchFamily="2" charset="2"/>
-              </a:rPr>
-            </a:br>
-            <a:br>
-              <a:rPr lang="es-AR" sz="2700" b="1" i="1" dirty="0">
-                <a:sym typeface="Wingdings" panose="05000000000000000000" pitchFamily="2" charset="2"/>
-              </a:rPr>
-            </a:br>
-            <a:r>
-              <a:rPr lang="es-AR" sz="2700" b="1" i="1" dirty="0">
-                <a:sym typeface="Wingdings" panose="05000000000000000000" pitchFamily="2" charset="2"/>
-              </a:rPr>
-              <a:t>Es decir, van a haber muchas clases relacionadas y parecidas, su única diferencia: Los comportamientos. </a:t>
-            </a:r>
-            <a:br>
-              <a:rPr lang="es-AR" sz="2700" b="1" i="1" dirty="0">
-                <a:sym typeface="Wingdings" panose="05000000000000000000" pitchFamily="2" charset="2"/>
-              </a:rPr>
-            </a:br>
-            <a:br>
-              <a:rPr lang="es-AR" sz="2700" b="1" i="1" dirty="0">
-                <a:sym typeface="Wingdings" panose="05000000000000000000" pitchFamily="2" charset="2"/>
-              </a:rPr>
+            <a:br>
+              <a:rPr lang="es-AR" sz="6000" b="1" dirty="0"/>
+            </a:br>
+            <a:br>
+              <a:rPr lang="es-AR" sz="6000" b="1" i="1" dirty="0"/>
             </a:br>
             <a:br>
               <a:rPr lang="es-AR" sz="4000" b="1" dirty="0"/>
@@ -4881,96 +4839,76 @@
               <a:rPr lang="es-AR" sz="4000" i="1" u="sng" dirty="0"/>
             </a:br>
             <a:r>
-              <a:rPr lang="es-AR" sz="3600" i="1" u="sng" dirty="0"/>
+              <a:rPr lang="es-AR" sz="4000" i="1" u="sng" dirty="0"/>
               <a:t>-&gt; Pensemos un pequeño ejemplo para entender mejor</a:t>
             </a:r>
             <a:br>
-              <a:rPr lang="es-AR" sz="3600" i="1" u="sng" dirty="0"/>
-            </a:br>
-            <a:br>
-              <a:rPr lang="es-AR" sz="3600" i="1" u="sng" dirty="0"/>
-            </a:br>
-            <a:r>
-              <a:rPr lang="es-AR" sz="2400" dirty="0"/>
-              <a:t>Existen muchos algoritmos para dividir líneas en un flujo de texto y codificar cada uno de ellos en TODAS las Clases que lo usan traería inconvenientes:</a:t>
-            </a:r>
-            <a:br>
-              <a:rPr lang="es-AR" sz="2400" dirty="0"/>
-            </a:br>
-            <a:br>
-              <a:rPr lang="es-AR" sz="2400" dirty="0"/>
-            </a:br>
-            <a:r>
-              <a:rPr lang="es-AR" sz="2400" dirty="0"/>
-              <a:t>-&gt;1. Las clases clientes se volverían mas complejas, mas grandes y mas difíciles de mantener</a:t>
-            </a:r>
-            <a:br>
-              <a:rPr lang="es-AR" sz="2400" dirty="0"/>
-            </a:br>
-            <a:br>
-              <a:rPr lang="es-AR" sz="2400" dirty="0"/>
-            </a:br>
-            <a:r>
-              <a:rPr lang="es-AR" sz="2400" dirty="0"/>
-              <a:t>-&gt;2. Los diferentes algoritmos serán apropiados en distintos momentos.</a:t>
-            </a:r>
-            <a:br>
-              <a:rPr lang="es-AR" sz="2400" dirty="0"/>
-            </a:br>
-            <a:r>
-              <a:rPr lang="es-AR" sz="2400" dirty="0"/>
-              <a:t>No tenemos porque permitir </a:t>
-            </a:r>
-            <a:r>
-              <a:rPr lang="es-AR" sz="2400" dirty="0" err="1"/>
-              <a:t>multiples</a:t>
-            </a:r>
-            <a:r>
-              <a:rPr lang="es-AR" sz="2400" dirty="0"/>
-              <a:t> algoritmos si no los vamos a usar</a:t>
-            </a:r>
-            <a:br>
-              <a:rPr lang="es-AR" sz="2400" dirty="0"/>
-            </a:br>
-            <a:br>
-              <a:rPr lang="es-AR" sz="2400" dirty="0"/>
-            </a:br>
-            <a:r>
-              <a:rPr lang="es-AR" sz="2400" dirty="0"/>
-              <a:t>-&gt;3. Sería difícil añadir o modificar algoritmos existentes con la complejidad de las clases e integración de las mismas</a:t>
-            </a:r>
-            <a:br>
-              <a:rPr lang="es-AR" sz="2400" dirty="0"/>
-            </a:br>
-            <a:br>
-              <a:rPr lang="es-AR" sz="2400" dirty="0"/>
-            </a:br>
-            <a:r>
-              <a:rPr lang="es-AR" sz="2400" i="1" u="sng" dirty="0"/>
-              <a:t>COMO EVITARLO? </a:t>
-            </a:r>
-            <a:r>
-              <a:rPr lang="es-AR" sz="2400" dirty="0">
+              <a:rPr lang="es-AR" sz="4000" i="1" u="sng" dirty="0"/>
+            </a:br>
+            <a:br>
+              <a:rPr lang="es-AR" sz="4000" i="1" u="sng" dirty="0"/>
+            </a:br>
+            <a:r>
+              <a:rPr lang="es-AR" sz="2200" i="1" u="sng" dirty="0"/>
+              <a:t>Problema </a:t>
+            </a:r>
+            <a:r>
+              <a:rPr lang="es-AR" sz="2200" dirty="0">
                 <a:sym typeface="Wingdings" panose="05000000000000000000" pitchFamily="2" charset="2"/>
               </a:rPr>
-              <a:t> Se definen nuevas clases que encapsulan los distintos algoritmos ,para la división de líneas en este caso.</a:t>
-            </a:r>
-            <a:br>
-              <a:rPr lang="es-AR" sz="2400" dirty="0">
+              <a:t></a:t>
+            </a:r>
+            <a:br>
+              <a:rPr lang="es-AR" sz="2200" dirty="0">
                 <a:sym typeface="Wingdings" panose="05000000000000000000" pitchFamily="2" charset="2"/>
               </a:rPr>
             </a:br>
             <a:br>
-              <a:rPr lang="es-AR" sz="2400" dirty="0">
-                <a:sym typeface="Wingdings" panose="05000000000000000000" pitchFamily="2" charset="2"/>
-              </a:rPr>
-            </a:br>
-            <a:r>
-              <a:rPr lang="es-AR" sz="2400" dirty="0">
-                <a:sym typeface="Wingdings" panose="05000000000000000000" pitchFamily="2" charset="2"/>
-              </a:rPr>
-              <a:t> Este encapsulamiento de algoritmos se denomina ESTRATEGIA</a:t>
-            </a:r>
+              <a:rPr lang="es-AR" sz="2200" dirty="0"/>
+            </a:br>
+            <a:r>
+              <a:rPr lang="es-419" sz="2200" dirty="0"/>
+              <a:t>Un día decidimos realizar un juego en donde hay muchos personajes y estos personajes tienen muchos tipos de ataques y estos causan un efecto (daño) dependiendo del tipo ataque en el otro personaje.</a:t>
+            </a:r>
+            <a:br>
+              <a:rPr lang="es-419" sz="2200" dirty="0"/>
+            </a:br>
+            <a:br>
+              <a:rPr lang="es-419" sz="2200" dirty="0"/>
+            </a:br>
+            <a:r>
+              <a:rPr lang="es-419" sz="2200" dirty="0"/>
+              <a:t>Tomando en cuenta que no resolvimos nuestro código sin patrones, como quedaría?</a:t>
+            </a:r>
+            <a:br>
+              <a:rPr lang="es-419" sz="2200" dirty="0"/>
+            </a:br>
+            <a:br>
+              <a:rPr lang="es-AR" sz="2200" dirty="0"/>
+            </a:br>
+            <a:br>
+              <a:rPr lang="es-AR" sz="2200" dirty="0"/>
+            </a:br>
+            <a:r>
+              <a:rPr lang="es-AR" sz="2200" dirty="0"/>
+              <a:t>Que consecuencias tendríamos al realizar esto?</a:t>
+            </a:r>
+            <a:br>
+              <a:rPr lang="es-AR" sz="2200" dirty="0"/>
+            </a:br>
+            <a:br>
+              <a:rPr lang="es-AR" sz="2200" dirty="0"/>
+            </a:br>
+            <a:r>
+              <a:rPr lang="es-AR" sz="2200" dirty="0"/>
+              <a:t>Qué solución propondríamos?</a:t>
+            </a:r>
+            <a:br>
+              <a:rPr lang="es-AR" sz="4000" dirty="0"/>
+            </a:br>
+            <a:br>
+              <a:rPr lang="es-AR" sz="4000" dirty="0"/>
+            </a:br>
             <a:br>
               <a:rPr lang="es-AR" sz="2400" dirty="0"/>
             </a:br>
@@ -5220,7 +5158,7 @@
           <p:cNvPr id="2" name="Título 1">
             <a:extLst>
               <a:ext uri="{FF2B5EF4-FFF2-40B4-BE49-F238E27FC236}">
-                <a16:creationId xmlns:a16="http://schemas.microsoft.com/office/drawing/2014/main" id="{68438474-27E3-8EBD-1826-A414F374E9C3}"/>
+                <a16:creationId xmlns:a16="http://schemas.microsoft.com/office/drawing/2014/main" id="{F1A87DDF-1732-2595-1711-0D07A37AF951}"/>
               </a:ext>
             </a:extLst>
           </p:cNvPr>
@@ -5233,8 +5171,8 @@
         </p:nvSpPr>
         <p:spPr>
           <a:xfrm>
-            <a:off x="970899" y="-6136"/>
-            <a:ext cx="10452838" cy="619911"/>
+            <a:off x="995951" y="0"/>
+            <a:ext cx="10365156" cy="1077229"/>
           </a:xfrm>
         </p:spPr>
         <p:txBody>
@@ -5245,59 +5183,167 @@
           <a:p>
             <a:pPr algn="l"/>
             <a:r>
-              <a:rPr lang="es-AR" sz="3200" i="1" u="sng" dirty="0"/>
+              <a:rPr lang="es-AR" sz="3600" i="1" u="sng" dirty="0"/>
               <a:t>		  PATRON DE DISEÑO</a:t>
             </a:r>
             <a:br>
-              <a:rPr lang="es-AR" sz="3200" i="1" u="sng" dirty="0"/>
-            </a:br>
-            <a:br>
-              <a:rPr lang="es-AR" sz="3200" i="1" u="sng" dirty="0"/>
-            </a:br>
-            <a:r>
-              <a:rPr lang="es-AR" sz="3200" i="1" u="sng" dirty="0">
+              <a:rPr lang="es-AR" sz="3600" i="1" u="sng" dirty="0"/>
+            </a:br>
+            <a:br>
+              <a:rPr lang="es-AR" sz="3600" i="1" u="sng" dirty="0"/>
+            </a:br>
+            <a:r>
+              <a:rPr lang="es-AR" sz="3600" i="1" u="sng" dirty="0">
                 <a:sym typeface="Wingdings" panose="05000000000000000000" pitchFamily="2" charset="2"/>
               </a:rPr>
               <a:t> Su ESTRUCTURA:</a:t>
             </a:r>
+            <a:br>
+              <a:rPr lang="es-AR" sz="3600" i="1" u="sng" dirty="0">
+                <a:sym typeface="Wingdings" panose="05000000000000000000" pitchFamily="2" charset="2"/>
+              </a:rPr>
+            </a:br>
+            <a:br>
+              <a:rPr lang="es-AR" sz="3600" i="1" u="sng" dirty="0">
+                <a:sym typeface="Wingdings" panose="05000000000000000000" pitchFamily="2" charset="2"/>
+              </a:rPr>
+            </a:br>
+            <a:r>
+              <a:rPr lang="es-AR" sz="2800" i="1" u="sng" dirty="0">
+                <a:sym typeface="Wingdings" panose="05000000000000000000" pitchFamily="2" charset="2"/>
+              </a:rPr>
+              <a:t>-PARTICIPANTES:</a:t>
+            </a:r>
+            <a:br>
+              <a:rPr lang="es-AR" sz="2800" i="1" u="sng" dirty="0">
+                <a:sym typeface="Wingdings" panose="05000000000000000000" pitchFamily="2" charset="2"/>
+              </a:rPr>
+            </a:br>
+            <a:br>
+              <a:rPr lang="es-AR" sz="2800" i="1" u="sng" dirty="0">
+                <a:sym typeface="Wingdings" panose="05000000000000000000" pitchFamily="2" charset="2"/>
+              </a:rPr>
+            </a:br>
+            <a:r>
+              <a:rPr lang="es-AR" sz="2800" b="1" i="1" u="sng" dirty="0">
+                <a:sym typeface="Wingdings" panose="05000000000000000000" pitchFamily="2" charset="2"/>
+              </a:rPr>
+              <a:t>1. Estrategia</a:t>
+            </a:r>
+            <a:r>
+              <a:rPr lang="es-AR" sz="2800" i="1" dirty="0">
+                <a:sym typeface="Wingdings" panose="05000000000000000000" pitchFamily="2" charset="2"/>
+              </a:rPr>
+              <a:t>: Declara una interfaz común a todos los </a:t>
+            </a:r>
+            <a:r>
+              <a:rPr lang="es-AR" sz="2800" i="1" dirty="0" err="1">
+                <a:sym typeface="Wingdings" panose="05000000000000000000" pitchFamily="2" charset="2"/>
+              </a:rPr>
+              <a:t>Algorimos</a:t>
+            </a:r>
+            <a:r>
+              <a:rPr lang="es-AR" sz="2800" i="1" dirty="0">
+                <a:sym typeface="Wingdings" panose="05000000000000000000" pitchFamily="2" charset="2"/>
+              </a:rPr>
+              <a:t> o comportamientos permitidos. El CONTEXTO usa esta interfaz para llamar </a:t>
+            </a:r>
+            <a:r>
+              <a:rPr lang="es-AR" sz="2800" i="1" dirty="0" err="1">
+                <a:sym typeface="Wingdings" panose="05000000000000000000" pitchFamily="2" charset="2"/>
+              </a:rPr>
+              <a:t>alalgoritmo</a:t>
+            </a:r>
+            <a:r>
+              <a:rPr lang="es-AR" sz="2800" i="1" dirty="0">
+                <a:sym typeface="Wingdings" panose="05000000000000000000" pitchFamily="2" charset="2"/>
+              </a:rPr>
+              <a:t> definido por una ESTRATEGIA CONCRETA</a:t>
+            </a:r>
+            <a:br>
+              <a:rPr lang="es-AR" sz="2800" i="1" dirty="0">
+                <a:sym typeface="Wingdings" panose="05000000000000000000" pitchFamily="2" charset="2"/>
+              </a:rPr>
+            </a:br>
+            <a:br>
+              <a:rPr lang="es-AR" sz="2800" i="1" dirty="0">
+                <a:sym typeface="Wingdings" panose="05000000000000000000" pitchFamily="2" charset="2"/>
+              </a:rPr>
+            </a:br>
+            <a:r>
+              <a:rPr lang="es-AR" sz="2800" b="1" i="1" u="sng" dirty="0">
+                <a:sym typeface="Wingdings" panose="05000000000000000000" pitchFamily="2" charset="2"/>
+              </a:rPr>
+              <a:t>2.EstrategiaConcreta: </a:t>
+            </a:r>
+            <a:r>
+              <a:rPr lang="es-AR" sz="2800" dirty="0">
+                <a:sym typeface="Wingdings" panose="05000000000000000000" pitchFamily="2" charset="2"/>
+              </a:rPr>
+              <a:t>Subclases de Estrategia, que cada una define un comportamiento distinto</a:t>
+            </a:r>
+            <a:br>
+              <a:rPr lang="es-AR" sz="2800" dirty="0">
+                <a:sym typeface="Wingdings" panose="05000000000000000000" pitchFamily="2" charset="2"/>
+              </a:rPr>
+            </a:br>
+            <a:br>
+              <a:rPr lang="es-AR" sz="2800" dirty="0">
+                <a:sym typeface="Wingdings" panose="05000000000000000000" pitchFamily="2" charset="2"/>
+              </a:rPr>
+            </a:br>
+            <a:r>
+              <a:rPr lang="es-AR" sz="2800" b="1" u="sng" dirty="0">
+                <a:sym typeface="Wingdings" panose="05000000000000000000" pitchFamily="2" charset="2"/>
+              </a:rPr>
+              <a:t>3.Contexto:</a:t>
+            </a:r>
+            <a:r>
+              <a:rPr lang="es-AR" sz="2800" dirty="0">
+                <a:sym typeface="Wingdings" panose="05000000000000000000" pitchFamily="2" charset="2"/>
+              </a:rPr>
+              <a:t> Mantiene una referencia a un Objeto Estrategia.</a:t>
+            </a:r>
+            <a:br>
+              <a:rPr lang="es-AR" sz="2800" dirty="0">
+                <a:sym typeface="Wingdings" panose="05000000000000000000" pitchFamily="2" charset="2"/>
+              </a:rPr>
+            </a:br>
+            <a:r>
+              <a:rPr lang="es-AR" sz="2800" dirty="0" err="1">
+                <a:sym typeface="Wingdings" panose="05000000000000000000" pitchFamily="2" charset="2"/>
+              </a:rPr>
+              <a:t>Tambien</a:t>
+            </a:r>
+            <a:r>
+              <a:rPr lang="es-AR" sz="2800" dirty="0">
+                <a:sym typeface="Wingdings" panose="05000000000000000000" pitchFamily="2" charset="2"/>
+              </a:rPr>
+              <a:t> puede definir una interfaz que permita a ESTRASTEGIA acceder a sus datos</a:t>
+            </a:r>
+            <a:br>
+              <a:rPr lang="es-AR" sz="2800" dirty="0">
+                <a:sym typeface="Wingdings" panose="05000000000000000000" pitchFamily="2" charset="2"/>
+              </a:rPr>
+            </a:br>
+            <a:br>
+              <a:rPr lang="es-AR" sz="3600" i="1" u="sng" dirty="0">
+                <a:sym typeface="Wingdings" panose="05000000000000000000" pitchFamily="2" charset="2"/>
+              </a:rPr>
+            </a:br>
+            <a:br>
+              <a:rPr lang="es-AR" sz="3600" i="1" u="sng" dirty="0">
+                <a:sym typeface="Wingdings" panose="05000000000000000000" pitchFamily="2" charset="2"/>
+              </a:rPr>
+            </a:br>
             <a:endParaRPr lang="en-US" dirty="0"/>
           </a:p>
         </p:txBody>
       </p:sp>
-      <p:pic>
-        <p:nvPicPr>
-          <p:cNvPr id="5" name="Imagen 4">
-            <a:extLst>
-              <a:ext uri="{FF2B5EF4-FFF2-40B4-BE49-F238E27FC236}">
-                <a16:creationId xmlns:a16="http://schemas.microsoft.com/office/drawing/2014/main" id="{8A5B2B7B-466D-1375-6EC1-90CBB28E16B4}"/>
-              </a:ext>
-            </a:extLst>
-          </p:cNvPr>
-          <p:cNvPicPr>
-            <a:picLocks noChangeAspect="1"/>
-          </p:cNvPicPr>
-          <p:nvPr/>
-        </p:nvPicPr>
-        <p:blipFill>
-          <a:blip r:embed="rId2"/>
-          <a:stretch>
-            <a:fillRect/>
-          </a:stretch>
-        </p:blipFill>
-        <p:spPr>
-          <a:xfrm>
-            <a:off x="-55937" y="1334022"/>
-            <a:ext cx="12247937" cy="5523978"/>
-          </a:xfrm>
-          <a:prstGeom prst="rect">
-            <a:avLst/>
-          </a:prstGeom>
-        </p:spPr>
-      </p:pic>
     </p:spTree>
     <p:extLst>
       <p:ext uri="{BB962C8B-B14F-4D97-AF65-F5344CB8AC3E}">
-        <p14:creationId xmlns:p14="http://schemas.microsoft.com/office/powerpoint/2010/main" val="1212394707"/>
+        <p14:creationId xmlns:p14="http://schemas.microsoft.com/office/powerpoint/2010/main" val="144914825"/>
       </p:ext>
     </p:extLst>
   </p:cSld>
@@ -5329,7 +5375,7 @@
           <p:cNvPr id="2" name="Título 1">
             <a:extLst>
               <a:ext uri="{FF2B5EF4-FFF2-40B4-BE49-F238E27FC236}">
-                <a16:creationId xmlns:a16="http://schemas.microsoft.com/office/drawing/2014/main" id="{F1A87DDF-1732-2595-1711-0D07A37AF951}"/>
+                <a16:creationId xmlns:a16="http://schemas.microsoft.com/office/drawing/2014/main" id="{68438474-27E3-8EBD-1826-A414F374E9C3}"/>
               </a:ext>
             </a:extLst>
           </p:cNvPr>
@@ -5342,8 +5388,8 @@
         </p:nvSpPr>
         <p:spPr>
           <a:xfrm>
-            <a:off x="995951" y="0"/>
-            <a:ext cx="10365156" cy="1077229"/>
+            <a:off x="970899" y="-6136"/>
+            <a:ext cx="10452838" cy="619911"/>
           </a:xfrm>
         </p:spPr>
         <p:txBody>
@@ -5354,167 +5400,59 @@
           <a:p>
             <a:pPr algn="l"/>
             <a:r>
-              <a:rPr lang="es-AR" sz="3600" i="1" u="sng" dirty="0"/>
+              <a:rPr lang="es-AR" sz="3200" i="1" u="sng" dirty="0"/>
               <a:t>		  PATRON DE DISEÑO</a:t>
             </a:r>
             <a:br>
-              <a:rPr lang="es-AR" sz="3600" i="1" u="sng" dirty="0"/>
-            </a:br>
-            <a:br>
-              <a:rPr lang="es-AR" sz="3600" i="1" u="sng" dirty="0"/>
-            </a:br>
-            <a:r>
-              <a:rPr lang="es-AR" sz="3600" i="1" u="sng" dirty="0">
+              <a:rPr lang="es-AR" sz="3200" i="1" u="sng" dirty="0"/>
+            </a:br>
+            <a:br>
+              <a:rPr lang="es-AR" sz="3200" i="1" u="sng" dirty="0"/>
+            </a:br>
+            <a:r>
+              <a:rPr lang="es-AR" sz="3200" i="1" u="sng" dirty="0">
                 <a:sym typeface="Wingdings" panose="05000000000000000000" pitchFamily="2" charset="2"/>
               </a:rPr>
               <a:t> Su ESTRUCTURA:</a:t>
             </a:r>
-            <a:br>
-              <a:rPr lang="es-AR" sz="3600" i="1" u="sng" dirty="0">
-                <a:sym typeface="Wingdings" panose="05000000000000000000" pitchFamily="2" charset="2"/>
-              </a:rPr>
-            </a:br>
-            <a:br>
-              <a:rPr lang="es-AR" sz="3600" i="1" u="sng" dirty="0">
-                <a:sym typeface="Wingdings" panose="05000000000000000000" pitchFamily="2" charset="2"/>
-              </a:rPr>
-            </a:br>
-            <a:r>
-              <a:rPr lang="es-AR" sz="2800" i="1" u="sng" dirty="0">
-                <a:sym typeface="Wingdings" panose="05000000000000000000" pitchFamily="2" charset="2"/>
-              </a:rPr>
-              <a:t>-PARTICIPANTES:</a:t>
-            </a:r>
-            <a:br>
-              <a:rPr lang="es-AR" sz="2800" i="1" u="sng" dirty="0">
-                <a:sym typeface="Wingdings" panose="05000000000000000000" pitchFamily="2" charset="2"/>
-              </a:rPr>
-            </a:br>
-            <a:br>
-              <a:rPr lang="es-AR" sz="2800" i="1" u="sng" dirty="0">
-                <a:sym typeface="Wingdings" panose="05000000000000000000" pitchFamily="2" charset="2"/>
-              </a:rPr>
-            </a:br>
-            <a:r>
-              <a:rPr lang="es-AR" sz="2800" b="1" i="1" u="sng" dirty="0">
-                <a:sym typeface="Wingdings" panose="05000000000000000000" pitchFamily="2" charset="2"/>
-              </a:rPr>
-              <a:t>1. Estrategia</a:t>
-            </a:r>
-            <a:r>
-              <a:rPr lang="es-AR" sz="2800" i="1" dirty="0">
-                <a:sym typeface="Wingdings" panose="05000000000000000000" pitchFamily="2" charset="2"/>
-              </a:rPr>
-              <a:t>: Declara una interfaz común a todos los </a:t>
-            </a:r>
-            <a:r>
-              <a:rPr lang="es-AR" sz="2800" i="1" dirty="0" err="1">
-                <a:sym typeface="Wingdings" panose="05000000000000000000" pitchFamily="2" charset="2"/>
-              </a:rPr>
-              <a:t>Algorimos</a:t>
-            </a:r>
-            <a:r>
-              <a:rPr lang="es-AR" sz="2800" i="1" dirty="0">
-                <a:sym typeface="Wingdings" panose="05000000000000000000" pitchFamily="2" charset="2"/>
-              </a:rPr>
-              <a:t> o comportamientos permitidos. El CONTEXTO usa esta interfaz para llamar </a:t>
-            </a:r>
-            <a:r>
-              <a:rPr lang="es-AR" sz="2800" i="1" dirty="0" err="1">
-                <a:sym typeface="Wingdings" panose="05000000000000000000" pitchFamily="2" charset="2"/>
-              </a:rPr>
-              <a:t>alalgoritmo</a:t>
-            </a:r>
-            <a:r>
-              <a:rPr lang="es-AR" sz="2800" i="1" dirty="0">
-                <a:sym typeface="Wingdings" panose="05000000000000000000" pitchFamily="2" charset="2"/>
-              </a:rPr>
-              <a:t> definido por una ESTRATEGIA CONCRETA</a:t>
-            </a:r>
-            <a:br>
-              <a:rPr lang="es-AR" sz="2800" i="1" dirty="0">
-                <a:sym typeface="Wingdings" panose="05000000000000000000" pitchFamily="2" charset="2"/>
-              </a:rPr>
-            </a:br>
-            <a:br>
-              <a:rPr lang="es-AR" sz="2800" i="1" dirty="0">
-                <a:sym typeface="Wingdings" panose="05000000000000000000" pitchFamily="2" charset="2"/>
-              </a:rPr>
-            </a:br>
-            <a:r>
-              <a:rPr lang="es-AR" sz="2800" b="1" i="1" u="sng" dirty="0">
-                <a:sym typeface="Wingdings" panose="05000000000000000000" pitchFamily="2" charset="2"/>
-              </a:rPr>
-              <a:t>2.EstrategiaConcreta: </a:t>
-            </a:r>
-            <a:r>
-              <a:rPr lang="es-AR" sz="2800" dirty="0">
-                <a:sym typeface="Wingdings" panose="05000000000000000000" pitchFamily="2" charset="2"/>
-              </a:rPr>
-              <a:t>Subclases de Estrategia, que cada una define un comportamiento distinto</a:t>
-            </a:r>
-            <a:br>
-              <a:rPr lang="es-AR" sz="2800" dirty="0">
-                <a:sym typeface="Wingdings" panose="05000000000000000000" pitchFamily="2" charset="2"/>
-              </a:rPr>
-            </a:br>
-            <a:br>
-              <a:rPr lang="es-AR" sz="2800" dirty="0">
-                <a:sym typeface="Wingdings" panose="05000000000000000000" pitchFamily="2" charset="2"/>
-              </a:rPr>
-            </a:br>
-            <a:r>
-              <a:rPr lang="es-AR" sz="2800" b="1" u="sng" dirty="0">
-                <a:sym typeface="Wingdings" panose="05000000000000000000" pitchFamily="2" charset="2"/>
-              </a:rPr>
-              <a:t>3.Contexto:</a:t>
-            </a:r>
-            <a:r>
-              <a:rPr lang="es-AR" sz="2800" dirty="0">
-                <a:sym typeface="Wingdings" panose="05000000000000000000" pitchFamily="2" charset="2"/>
-              </a:rPr>
-              <a:t> Mantiene una referencia a un Objeto Estrategia.</a:t>
-            </a:r>
-            <a:br>
-              <a:rPr lang="es-AR" sz="2800" dirty="0">
-                <a:sym typeface="Wingdings" panose="05000000000000000000" pitchFamily="2" charset="2"/>
-              </a:rPr>
-            </a:br>
-            <a:r>
-              <a:rPr lang="es-AR" sz="2800" dirty="0" err="1">
-                <a:sym typeface="Wingdings" panose="05000000000000000000" pitchFamily="2" charset="2"/>
-              </a:rPr>
-              <a:t>Tambien</a:t>
-            </a:r>
-            <a:r>
-              <a:rPr lang="es-AR" sz="2800" dirty="0">
-                <a:sym typeface="Wingdings" panose="05000000000000000000" pitchFamily="2" charset="2"/>
-              </a:rPr>
-              <a:t> puede definir una interfaz que permita a ESTRASTEGIA acceder a sus datos</a:t>
-            </a:r>
-            <a:br>
-              <a:rPr lang="es-AR" sz="2800" dirty="0">
-                <a:sym typeface="Wingdings" panose="05000000000000000000" pitchFamily="2" charset="2"/>
-              </a:rPr>
-            </a:br>
-            <a:br>
-              <a:rPr lang="es-AR" sz="3600" i="1" u="sng" dirty="0">
-                <a:sym typeface="Wingdings" panose="05000000000000000000" pitchFamily="2" charset="2"/>
-              </a:rPr>
-            </a:br>
-            <a:br>
-              <a:rPr lang="es-AR" sz="3600" i="1" u="sng" dirty="0">
-                <a:sym typeface="Wingdings" panose="05000000000000000000" pitchFamily="2" charset="2"/>
-              </a:rPr>
-            </a:br>
             <a:endParaRPr lang="en-US" dirty="0"/>
           </a:p>
         </p:txBody>
       </p:sp>
+      <p:pic>
+        <p:nvPicPr>
+          <p:cNvPr id="5" name="Imagen 4">
+            <a:extLst>
+              <a:ext uri="{FF2B5EF4-FFF2-40B4-BE49-F238E27FC236}">
+                <a16:creationId xmlns:a16="http://schemas.microsoft.com/office/drawing/2014/main" id="{8A5B2B7B-466D-1375-6EC1-90CBB28E16B4}"/>
+              </a:ext>
+            </a:extLst>
+          </p:cNvPr>
+          <p:cNvPicPr>
+            <a:picLocks noChangeAspect="1"/>
+          </p:cNvPicPr>
+          <p:nvPr/>
+        </p:nvPicPr>
+        <p:blipFill>
+          <a:blip r:embed="rId2"/>
+          <a:stretch>
+            <a:fillRect/>
+          </a:stretch>
+        </p:blipFill>
+        <p:spPr>
+          <a:xfrm>
+            <a:off x="-55937" y="1334022"/>
+            <a:ext cx="12247937" cy="5523978"/>
+          </a:xfrm>
+          <a:prstGeom prst="rect">
+            <a:avLst/>
+          </a:prstGeom>
+        </p:spPr>
+      </p:pic>
     </p:spTree>
     <p:extLst>
       <p:ext uri="{BB962C8B-B14F-4D97-AF65-F5344CB8AC3E}">
-        <p14:creationId xmlns:p14="http://schemas.microsoft.com/office/powerpoint/2010/main" val="144914825"/>
+        <p14:creationId xmlns:p14="http://schemas.microsoft.com/office/powerpoint/2010/main" val="1212394707"/>
       </p:ext>
     </p:extLst>
   </p:cSld>
@@ -5591,16 +5529,19 @@
               <a:rPr lang="es-AR" sz="3200" i="1" u="sng" dirty="0"/>
             </a:br>
             <a:r>
+              <a:rPr lang="es-AR" sz="3200" i="1" u="sng" dirty="0"/>
+              <a:t>1. Familias de Algoritmos relacionados:</a:t>
+            </a:r>
+            <a:br>
               <a:rPr lang="es-AR" sz="3200" b="1" i="1" u="sng" dirty="0"/>
-              <a:t>1. Familias de Algoritmos relacionados(PRO):</a:t>
-            </a:r>
-            <a:br>
-              <a:rPr lang="es-AR" sz="3200" b="1" i="1" u="sng" dirty="0"/>
             </a:br>
             <a:r>
               <a:rPr lang="es-AR" sz="2400" dirty="0"/>
-              <a:t>Las Jerarquías de clases Estrategia definen una familia de comportamientos para  ser reutilizados por los contextos</a:t>
-            </a:r>
+              <a:t>Las Jerarquías de clases Estrategia definen una familia de comportamientos para  ser reutilizados por los contextos </a:t>
+            </a:r>
+            <a:br>
+              <a:rPr lang="es-AR" sz="2400" dirty="0"/>
+            </a:br>
             <a:br>
               <a:rPr lang="es-AR" sz="2400" dirty="0"/>
             </a:br>
@@ -5612,38 +5553,21 @@
               <a:rPr lang="es-AR" sz="2400" dirty="0"/>
             </a:br>
             <a:br>
-              <a:rPr lang="es-AR" sz="2400" dirty="0"/>
-            </a:br>
-            <a:r>
               <a:rPr lang="es-AR" sz="3200" b="1" i="1" u="sng" dirty="0"/>
-              <a:t>2. La alternativa a la Herencia(CONTRA):</a:t>
+            </a:br>
+            <a:r>
+              <a:rPr lang="es-AR" sz="3200" i="1" u="sng" dirty="0"/>
+              <a:t>2. Las Estrategias eliminan las sentencias condicionales</a:t>
             </a:r>
             <a:br>
               <a:rPr lang="es-AR" sz="3200" b="1" i="1" u="sng" dirty="0"/>
             </a:br>
-            <a:r>
-              <a:rPr lang="es-AR" sz="2200" dirty="0"/>
-              <a:t>Se puede heredar directamente de una Clase Contexto para proporcionar los comportamientos, pero esto a nivel implementación implicaría que las clases se mezclen y acoplen mas, volviéndola mas difícil de Comprender, Mantener y Extender</a:t>
-            </a:r>
-            <a:br>
-              <a:rPr lang="es-AR" sz="3200" b="1" i="1" u="sng" dirty="0"/>
-            </a:br>
-            <a:br>
-              <a:rPr lang="es-AR" sz="3200" b="1" i="1" u="sng" dirty="0"/>
-            </a:br>
-            <a:r>
-              <a:rPr lang="es-AR" sz="3200" b="1" i="1" u="sng" dirty="0"/>
-              <a:t>3. Las Estrategias eliminan las sentencias condicionales</a:t>
-            </a:r>
-            <a:br>
-              <a:rPr lang="es-AR" sz="3200" b="1" i="1" u="sng" dirty="0"/>
-            </a:br>
-            <a:br>
-              <a:rPr lang="es-AR" sz="3200" b="1" i="1" u="sng" dirty="0"/>
-            </a:br>
-            <a:r>
-              <a:rPr lang="es-AR" sz="3200" b="1" i="1" u="sng" dirty="0"/>
-              <a:t>4. Una elección de implementaciones(PRO):</a:t>
+            <a:br>
+              <a:rPr lang="es-AR" sz="3200" i="1" u="sng" dirty="0"/>
+            </a:br>
+            <a:r>
+              <a:rPr lang="es-AR" sz="3200" i="1" u="sng" dirty="0"/>
+              <a:t>3. Una elección de implementaciones:</a:t>
             </a:r>
             <a:br>
               <a:rPr lang="es-AR" sz="3200" b="1" i="1" u="sng" dirty="0"/>
@@ -5746,14 +5670,38 @@
             </a:br>
             <a:r>
               <a:rPr lang="es-AR" sz="3600" i="1" u="sng" dirty="0"/>
-              <a:t>5. Los clientes deben conocer las distintas Estrategias:</a:t>
+              <a:t>1. La alternativa a la Herencia:</a:t>
+            </a:r>
+            <a:br>
+              <a:rPr lang="es-AR" sz="4400" b="1" i="1" u="sng" dirty="0"/>
+            </a:br>
+            <a:r>
+              <a:rPr lang="es-AR" sz="2200" dirty="0"/>
+              <a:t>Se puede heredar de Contexto directamente los comportamientos.</a:t>
+            </a:r>
+            <a:br>
+              <a:rPr lang="es-AR" sz="2200" dirty="0"/>
+            </a:br>
+            <a:r>
+              <a:rPr lang="es-AR" sz="2200" dirty="0"/>
+              <a:t>Implicaciones: </a:t>
+            </a:r>
+            <a:br>
+              <a:rPr lang="es-AR" sz="2200" dirty="0"/>
+            </a:br>
+            <a:r>
+              <a:rPr lang="es-AR" sz="2200" dirty="0"/>
+              <a:t>Las Clases se ven acopladas, es decir, mas difíciles de Comprender, Mantener y Extender</a:t>
             </a:r>
             <a:br>
               <a:rPr lang="es-AR" sz="3600" i="1" u="sng" dirty="0"/>
             </a:br>
-            <a:r>
+            <a:br>
               <a:rPr lang="es-AR" sz="3600" i="1" u="sng" dirty="0"/>
-              <a:t>(CONTRA):</a:t>
+            </a:br>
+            <a:r>
+              <a:rPr lang="es-AR" sz="3600" i="1" u="sng" dirty="0"/>
+              <a:t>2. Los clientes deben conocer las distintas Estrategias:</a:t>
             </a:r>
             <a:br>
               <a:rPr lang="es-AR" sz="3600" i="1" u="sng" dirty="0"/>
@@ -5774,7 +5722,7 @@
             </a:br>
             <a:r>
               <a:rPr lang="es-AR" sz="3600" i="1" u="sng" dirty="0"/>
-              <a:t>6.Costos de comunicación entre Contexto y Estrategia (contra):</a:t>
+              <a:t>3.Costos de comunicación entre Contexto y Estrategia</a:t>
             </a:r>
             <a:br>
               <a:rPr lang="es-AR" sz="3200" i="1" u="sng" dirty="0"/>
@@ -5789,7 +5737,14 @@
             </a:r>
             <a:r>
               <a:rPr lang="es-AR" sz="2200" dirty="0"/>
-              <a:t>, es probable que algunos objetos de </a:t>
+              <a:t>.</a:t>
+            </a:r>
+            <a:br>
+              <a:rPr lang="es-AR" sz="2200" dirty="0"/>
+            </a:br>
+            <a:r>
+              <a:rPr lang="es-AR" sz="2200" dirty="0"/>
+              <a:t>Es probable que algunos objetos de </a:t>
             </a:r>
             <a:r>
               <a:rPr lang="es-AR" sz="2200" dirty="0" err="1"/>
@@ -5797,7 +5752,7 @@
             </a:r>
             <a:r>
               <a:rPr lang="es-AR" sz="2200" dirty="0"/>
-              <a:t> no usen toda la información que reciben de la interfaz</a:t>
+              <a:t> no usen toda la información que reciben de la interfaz Contexto</a:t>
             </a:r>
             <a:br>
               <a:rPr lang="es-AR" sz="2200" dirty="0"/>
@@ -5807,7 +5762,7 @@
             </a:br>
             <a:r>
               <a:rPr lang="es-AR" sz="3600" i="1" u="sng" dirty="0"/>
-              <a:t>7.Mayor numero de Objetos</a:t>
+              <a:t>4.Mayor numero de Objetos</a:t>
             </a:r>
             <a:br>
               <a:rPr lang="es-AR" sz="2200" dirty="0"/>
@@ -5884,6 +5839,36 @@
           </a:p>
         </p:txBody>
       </p:sp>
+      <p:pic>
+        <p:nvPicPr>
+          <p:cNvPr id="4" name="Imagen 3">
+            <a:extLst>
+              <a:ext uri="{FF2B5EF4-FFF2-40B4-BE49-F238E27FC236}">
+                <a16:creationId xmlns:a16="http://schemas.microsoft.com/office/drawing/2014/main" id="{B6D31A52-4624-A74C-A6A5-1790701B4B63}"/>
+              </a:ext>
+            </a:extLst>
+          </p:cNvPr>
+          <p:cNvPicPr>
+            <a:picLocks noChangeAspect="1"/>
+          </p:cNvPicPr>
+          <p:nvPr/>
+        </p:nvPicPr>
+        <p:blipFill>
+          <a:blip r:embed="rId2"/>
+          <a:stretch>
+            <a:fillRect/>
+          </a:stretch>
+        </p:blipFill>
+        <p:spPr>
+          <a:xfrm>
+            <a:off x="-1" y="419744"/>
+            <a:ext cx="10609545" cy="6382978"/>
+          </a:xfrm>
+          <a:prstGeom prst="rect">
+            <a:avLst/>
+          </a:prstGeom>
+        </p:spPr>
+      </p:pic>
     </p:spTree>
     <p:extLst>
       <p:ext uri="{BB962C8B-B14F-4D97-AF65-F5344CB8AC3E}">
